--- a/Documentação/Apresentação.pptx
+++ b/Documentação/Apresentação.pptx
@@ -6,11 +6,12 @@
   </p:sldMasterIdLst>
   <p:sldIdLst>
     <p:sldId id="256" r:id="rId2"/>
-    <p:sldId id="259" r:id="rId3"/>
-    <p:sldId id="257" r:id="rId4"/>
-    <p:sldId id="258" r:id="rId5"/>
-    <p:sldId id="260" r:id="rId6"/>
-    <p:sldId id="261" r:id="rId7"/>
+    <p:sldId id="262" r:id="rId3"/>
+    <p:sldId id="259" r:id="rId4"/>
+    <p:sldId id="257" r:id="rId5"/>
+    <p:sldId id="258" r:id="rId6"/>
+    <p:sldId id="260" r:id="rId7"/>
+    <p:sldId id="261" r:id="rId8"/>
   </p:sldIdLst>
   <p:sldSz cx="12192000" cy="6858000"/>
   <p:notesSz cx="6858000" cy="9144000"/>
@@ -109,6 +110,11 @@
       </a:defRPr>
     </a:lvl9pPr>
   </p:defaultTextStyle>
+  <p:extLst>
+    <p:ext uri="{EFAFB233-063F-42B5-8137-9DF3F51BA10A}">
+      <p15:sldGuideLst xmlns:p15="http://schemas.microsoft.com/office/powerpoint/2012/main"/>
+    </p:ext>
+  </p:extLst>
 </p:presentation>
 </file>
 
@@ -3312,6 +3318,22 @@
 <file path=ppt/slides/slide1.xml><?xml version="1.0" encoding="utf-8"?>
 <p:sld xmlns:a="http://schemas.openxmlformats.org/drawingml/2006/main" xmlns:r="http://schemas.openxmlformats.org/officeDocument/2006/relationships" xmlns:p="http://schemas.openxmlformats.org/presentationml/2006/main">
   <p:cSld>
+    <p:bg>
+      <p:bgPr>
+        <a:pattFill prst="dashVert">
+          <a:fgClr>
+            <a:schemeClr val="accent6">
+              <a:lumMod val="60000"/>
+              <a:lumOff val="40000"/>
+            </a:schemeClr>
+          </a:fgClr>
+          <a:bgClr>
+            <a:schemeClr val="bg1"/>
+          </a:bgClr>
+        </a:pattFill>
+        <a:effectLst/>
+      </p:bgPr>
+    </p:bg>
     <p:spTree>
       <p:nvGrpSpPr>
         <p:cNvPr id="1" name=""/>
@@ -3485,6 +3507,195 @@
   <p:cSld>
     <p:bg>
       <p:bgPr>
+        <a:pattFill prst="pct40">
+          <a:fgClr>
+            <a:schemeClr val="accent1"/>
+          </a:fgClr>
+          <a:bgClr>
+            <a:schemeClr val="bg1"/>
+          </a:bgClr>
+        </a:pattFill>
+        <a:effectLst/>
+      </p:bgPr>
+    </p:bg>
+    <p:spTree>
+      <p:nvGrpSpPr>
+        <p:cNvPr id="1" name=""/>
+        <p:cNvGrpSpPr/>
+        <p:nvPr/>
+      </p:nvGrpSpPr>
+      <p:grpSpPr>
+        <a:xfrm>
+          <a:off x="0" y="0"/>
+          <a:ext cx="0" cy="0"/>
+          <a:chOff x="0" y="0"/>
+          <a:chExt cx="0" cy="0"/>
+        </a:xfrm>
+      </p:grpSpPr>
+      <p:pic>
+        <p:nvPicPr>
+          <p:cNvPr id="5" name="Imagem 4" descr="Homem de camisa azul e gravata vermelha&#10;&#10;Descrição gerada automaticamente">
+            <a:extLst>
+              <a:ext uri="{FF2B5EF4-FFF2-40B4-BE49-F238E27FC236}">
+                <a16:creationId xmlns:a16="http://schemas.microsoft.com/office/drawing/2014/main" id="{AAC59D13-B9C2-2A95-B47D-08E04220EAA1}"/>
+              </a:ext>
+            </a:extLst>
+          </p:cNvPr>
+          <p:cNvPicPr>
+            <a:picLocks noChangeAspect="1"/>
+          </p:cNvPicPr>
+          <p:nvPr/>
+        </p:nvPicPr>
+        <p:blipFill>
+          <a:blip r:embed="rId2">
+            <a:extLst>
+              <a:ext uri="{28A0092B-C50C-407E-A947-70E740481C1C}">
+                <a14:useLocalDpi xmlns:a14="http://schemas.microsoft.com/office/drawing/2010/main" val="0"/>
+              </a:ext>
+            </a:extLst>
+          </a:blip>
+          <a:stretch>
+            <a:fillRect/>
+          </a:stretch>
+        </p:blipFill>
+        <p:spPr>
+          <a:xfrm>
+            <a:off x="8379502" y="705787"/>
+            <a:ext cx="3304082" cy="3304082"/>
+          </a:xfrm>
+          <a:prstGeom prst="rect">
+            <a:avLst/>
+          </a:prstGeom>
+        </p:spPr>
+      </p:pic>
+      <p:sp>
+        <p:nvSpPr>
+          <p:cNvPr id="6" name="CaixaDeTexto 5">
+            <a:extLst>
+              <a:ext uri="{FF2B5EF4-FFF2-40B4-BE49-F238E27FC236}">
+                <a16:creationId xmlns:a16="http://schemas.microsoft.com/office/drawing/2014/main" id="{BF8E721D-D856-EB4D-85EF-A6A04252017E}"/>
+              </a:ext>
+            </a:extLst>
+          </p:cNvPr>
+          <p:cNvSpPr txBox="1"/>
+          <p:nvPr/>
+        </p:nvSpPr>
+        <p:spPr>
+          <a:xfrm>
+            <a:off x="299803" y="321066"/>
+            <a:ext cx="7525062" cy="769441"/>
+          </a:xfrm>
+          <a:prstGeom prst="rect">
+            <a:avLst/>
+          </a:prstGeom>
+          <a:noFill/>
+        </p:spPr>
+        <p:txBody>
+          <a:bodyPr wrap="square" rtlCol="0">
+            <a:spAutoFit/>
+          </a:bodyPr>
+          <a:lstStyle/>
+          <a:p>
+            <a:r>
+              <a:rPr lang="pt-BR" sz="4400" dirty="0">
+                <a:latin typeface="Comic Sans MS" panose="030F0702030302020204" pitchFamily="66" charset="0"/>
+              </a:rPr>
+              <a:t>Mais um pouco sobre mim</a:t>
+            </a:r>
+          </a:p>
+        </p:txBody>
+      </p:sp>
+      <p:sp>
+        <p:nvSpPr>
+          <p:cNvPr id="8" name="CaixaDeTexto 7">
+            <a:extLst>
+              <a:ext uri="{FF2B5EF4-FFF2-40B4-BE49-F238E27FC236}">
+                <a16:creationId xmlns:a16="http://schemas.microsoft.com/office/drawing/2014/main" id="{A4772D1C-749B-17AF-AF7E-E842F9104738}"/>
+              </a:ext>
+            </a:extLst>
+          </p:cNvPr>
+          <p:cNvSpPr txBox="1"/>
+          <p:nvPr/>
+        </p:nvSpPr>
+        <p:spPr>
+          <a:xfrm>
+            <a:off x="464695" y="1274164"/>
+            <a:ext cx="7629994" cy="1200329"/>
+          </a:xfrm>
+          <a:prstGeom prst="rect">
+            <a:avLst/>
+          </a:prstGeom>
+          <a:noFill/>
+        </p:spPr>
+        <p:txBody>
+          <a:bodyPr wrap="square" rtlCol="0">
+            <a:spAutoFit/>
+          </a:bodyPr>
+          <a:lstStyle/>
+          <a:p>
+            <a:r>
+              <a:rPr lang="pt-BR" sz="2400" dirty="0">
+                <a:latin typeface="Comic Sans MS" panose="030F0702030302020204" pitchFamily="66" charset="0"/>
+              </a:rPr>
+              <a:t>Sou aluno na </a:t>
+            </a:r>
+            <a:r>
+              <a:rPr lang="pt-BR" sz="2400" dirty="0" err="1">
+                <a:latin typeface="Comic Sans MS" panose="030F0702030302020204" pitchFamily="66" charset="0"/>
+              </a:rPr>
+              <a:t>sptech</a:t>
+            </a:r>
+            <a:r>
+              <a:rPr lang="pt-BR" sz="2400" dirty="0">
+                <a:latin typeface="Comic Sans MS" panose="030F0702030302020204" pitchFamily="66" charset="0"/>
+              </a:rPr>
+              <a:t> e quando tenho tempo sobrando sou um jogador de jogos de FPS, boomer </a:t>
+            </a:r>
+            <a:r>
+              <a:rPr lang="pt-BR" sz="2400" dirty="0" err="1">
+                <a:latin typeface="Comic Sans MS" panose="030F0702030302020204" pitchFamily="66" charset="0"/>
+              </a:rPr>
+              <a:t>shooter</a:t>
+            </a:r>
+            <a:r>
+              <a:rPr lang="pt-BR" sz="2400" dirty="0">
+                <a:latin typeface="Comic Sans MS" panose="030F0702030302020204" pitchFamily="66" charset="0"/>
+              </a:rPr>
+              <a:t> e um pouco de MOBA também!</a:t>
+            </a:r>
+          </a:p>
+        </p:txBody>
+      </p:sp>
+    </p:spTree>
+    <p:extLst>
+      <p:ext uri="{BB962C8B-B14F-4D97-AF65-F5344CB8AC3E}">
+        <p14:creationId xmlns:p14="http://schemas.microsoft.com/office/powerpoint/2010/main" val="2718774784"/>
+      </p:ext>
+    </p:extLst>
+  </p:cSld>
+  <p:clrMapOvr>
+    <a:masterClrMapping/>
+  </p:clrMapOvr>
+  <mc:AlternateContent xmlns:mc="http://schemas.openxmlformats.org/markup-compatibility/2006">
+    <mc:Choice xmlns:p159="http://schemas.microsoft.com/office/powerpoint/2015/09/main" Requires="p159">
+      <p:transition xmlns:p14="http://schemas.microsoft.com/office/powerpoint/2010/main" spd="slow" p14:dur="2000">
+        <p159:morph option="byObject"/>
+      </p:transition>
+    </mc:Choice>
+    <mc:Fallback>
+      <p:transition spd="slow">
+        <p:fade/>
+      </p:transition>
+    </mc:Fallback>
+  </mc:AlternateContent>
+</p:sld>
+</file>
+
+<file path=ppt/slides/slide3.xml><?xml version="1.0" encoding="utf-8"?>
+<p:sld xmlns:a="http://schemas.openxmlformats.org/drawingml/2006/main" xmlns:r="http://schemas.openxmlformats.org/officeDocument/2006/relationships" xmlns:p="http://schemas.openxmlformats.org/presentationml/2006/main">
+  <p:cSld>
+    <p:bg>
+      <p:bgPr>
         <a:pattFill prst="pct30">
           <a:fgClr>
             <a:schemeClr val="accent5">
@@ -3704,10 +3915,22 @@
   <p:clrMapOvr>
     <a:masterClrMapping/>
   </p:clrMapOvr>
+  <mc:AlternateContent xmlns:mc="http://schemas.openxmlformats.org/markup-compatibility/2006">
+    <mc:Choice xmlns:p14="http://schemas.microsoft.com/office/powerpoint/2010/main" Requires="p14">
+      <p:transition spd="med" p14:dur="700">
+        <p:fade/>
+      </p:transition>
+    </mc:Choice>
+    <mc:Fallback>
+      <p:transition spd="med">
+        <p:fade/>
+      </p:transition>
+    </mc:Fallback>
+  </mc:AlternateContent>
 </p:sld>
 </file>
 
-<file path=ppt/slides/slide3.xml><?xml version="1.0" encoding="utf-8"?>
+<file path=ppt/slides/slide4.xml><?xml version="1.0" encoding="utf-8"?>
 <p:sld xmlns:a="http://schemas.openxmlformats.org/drawingml/2006/main" xmlns:r="http://schemas.openxmlformats.org/officeDocument/2006/relationships" xmlns:p="http://schemas.openxmlformats.org/presentationml/2006/main">
   <p:cSld>
     <p:bg>
@@ -3882,10 +4105,13 @@
   <p:clrMapOvr>
     <a:masterClrMapping/>
   </p:clrMapOvr>
+  <p:transition spd="slow">
+    <p:push dir="u"/>
+  </p:transition>
 </p:sld>
 </file>
 
-<file path=ppt/slides/slide4.xml><?xml version="1.0" encoding="utf-8"?>
+<file path=ppt/slides/slide5.xml><?xml version="1.0" encoding="utf-8"?>
 <p:sld xmlns:a="http://schemas.openxmlformats.org/drawingml/2006/main" xmlns:r="http://schemas.openxmlformats.org/officeDocument/2006/relationships" xmlns:p="http://schemas.openxmlformats.org/presentationml/2006/main">
   <p:cSld>
     <p:bg>
@@ -3997,10 +4223,22 @@
   <p:clrMapOvr>
     <a:masterClrMapping/>
   </p:clrMapOvr>
+  <mc:AlternateContent xmlns:mc="http://schemas.openxmlformats.org/markup-compatibility/2006">
+    <mc:Choice xmlns:p159="http://schemas.microsoft.com/office/powerpoint/2015/09/main" Requires="p159">
+      <p:transition xmlns:p14="http://schemas.microsoft.com/office/powerpoint/2010/main" spd="slow" p14:dur="2000">
+        <p159:morph option="byObject"/>
+      </p:transition>
+    </mc:Choice>
+    <mc:Fallback>
+      <p:transition spd="slow">
+        <p:fade/>
+      </p:transition>
+    </mc:Fallback>
+  </mc:AlternateContent>
 </p:sld>
 </file>
 
-<file path=ppt/slides/slide5.xml><?xml version="1.0" encoding="utf-8"?>
+<file path=ppt/slides/slide6.xml><?xml version="1.0" encoding="utf-8"?>
 <p:sld xmlns:a="http://schemas.openxmlformats.org/drawingml/2006/main" xmlns:r="http://schemas.openxmlformats.org/officeDocument/2006/relationships" xmlns:p="http://schemas.openxmlformats.org/presentationml/2006/main">
   <p:cSld>
     <p:bg>
@@ -4227,10 +4465,22 @@
   <p:clrMapOvr>
     <a:masterClrMapping/>
   </p:clrMapOvr>
+  <mc:AlternateContent xmlns:mc="http://schemas.openxmlformats.org/markup-compatibility/2006">
+    <mc:Choice xmlns:p159="http://schemas.microsoft.com/office/powerpoint/2015/09/main" Requires="p159">
+      <p:transition xmlns:p14="http://schemas.microsoft.com/office/powerpoint/2010/main" spd="slow" p14:dur="2000">
+        <p159:morph option="byObject"/>
+      </p:transition>
+    </mc:Choice>
+    <mc:Fallback>
+      <p:transition spd="slow">
+        <p:fade/>
+      </p:transition>
+    </mc:Fallback>
+  </mc:AlternateContent>
 </p:sld>
 </file>
 
-<file path=ppt/slides/slide6.xml><?xml version="1.0" encoding="utf-8"?>
+<file path=ppt/slides/slide7.xml><?xml version="1.0" encoding="utf-8"?>
 <p:sld xmlns:a="http://schemas.openxmlformats.org/drawingml/2006/main" xmlns:r="http://schemas.openxmlformats.org/officeDocument/2006/relationships" xmlns:p="http://schemas.openxmlformats.org/presentationml/2006/main">
   <p:cSld>
     <p:bg>
@@ -4309,6 +4559,18 @@
   <p:clrMapOvr>
     <a:masterClrMapping/>
   </p:clrMapOvr>
+  <mc:AlternateContent xmlns:mc="http://schemas.openxmlformats.org/markup-compatibility/2006">
+    <mc:Choice xmlns:p159="http://schemas.microsoft.com/office/powerpoint/2015/09/main" Requires="p159">
+      <p:transition xmlns:p14="http://schemas.microsoft.com/office/powerpoint/2010/main" spd="slow" p14:dur="2000">
+        <p159:morph option="byObject"/>
+      </p:transition>
+    </mc:Choice>
+    <mc:Fallback>
+      <p:transition spd="slow">
+        <p:fade/>
+      </p:transition>
+    </mc:Fallback>
+  </mc:AlternateContent>
 </p:sld>
 </file>
 
